--- a/pythonParser/Захаров 1541б Предзащита.pptx
+++ b/pythonParser/Захаров 1541б Предзащита.pptx
@@ -8,15 +8,15 @@
     <p:notesMasterId r:id="rId12"/>
   </p:notesMasterIdLst>
   <p:sldIdLst>
-    <p:sldId id="256" r:id="rId2"/>
+    <p:sldId id="272" r:id="rId2"/>
     <p:sldId id="262" r:id="rId3"/>
     <p:sldId id="257" r:id="rId4"/>
-    <p:sldId id="263" r:id="rId5"/>
-    <p:sldId id="269" r:id="rId6"/>
-    <p:sldId id="268" r:id="rId7"/>
-    <p:sldId id="270" r:id="rId8"/>
-    <p:sldId id="271" r:id="rId9"/>
-    <p:sldId id="261" r:id="rId10"/>
+    <p:sldId id="269" r:id="rId5"/>
+    <p:sldId id="268" r:id="rId6"/>
+    <p:sldId id="270" r:id="rId7"/>
+    <p:sldId id="271" r:id="rId8"/>
+    <p:sldId id="261" r:id="rId9"/>
+    <p:sldId id="263" r:id="rId10"/>
     <p:sldId id="265" r:id="rId11"/>
   </p:sldIdLst>
   <p:sldSz cx="12192000" cy="6858000"/>
@@ -472,90 +472,6 @@
     </a:lvl9pPr>
   </p:notesStyle>
 </p:notesMaster>
-</file>
-
-<file path=ppt/notesSlides/notesSlide1.xml><?xml version="1.0" encoding="utf-8"?>
-<p:notes xmlns:a="http://schemas.openxmlformats.org/drawingml/2006/main" xmlns:r="http://schemas.openxmlformats.org/officeDocument/2006/relationships" xmlns:p="http://schemas.openxmlformats.org/presentationml/2006/main">
-  <p:cSld>
-    <p:spTree>
-      <p:nvGrpSpPr>
-        <p:cNvPr id="1" name=""/>
-        <p:cNvGrpSpPr/>
-        <p:nvPr/>
-      </p:nvGrpSpPr>
-      <p:grpSpPr>
-        <a:xfrm>
-          <a:off x="0" y="0"/>
-          <a:ext cx="0" cy="0"/>
-          <a:chOff x="0" y="0"/>
-          <a:chExt cx="0" cy="0"/>
-        </a:xfrm>
-      </p:grpSpPr>
-      <p:sp>
-        <p:nvSpPr>
-          <p:cNvPr id="2" name="Образ слайда 1"/>
-          <p:cNvSpPr>
-            <a:spLocks noGrp="1" noRot="1" noChangeAspect="1"/>
-          </p:cNvSpPr>
-          <p:nvPr>
-            <p:ph type="sldImg"/>
-          </p:nvPr>
-        </p:nvSpPr>
-        <p:spPr/>
-      </p:sp>
-      <p:sp>
-        <p:nvSpPr>
-          <p:cNvPr id="3" name="Заметки 2"/>
-          <p:cNvSpPr>
-            <a:spLocks noGrp="1"/>
-          </p:cNvSpPr>
-          <p:nvPr>
-            <p:ph type="body" idx="1"/>
-          </p:nvPr>
-        </p:nvSpPr>
-        <p:spPr/>
-        <p:txBody>
-          <a:bodyPr/>
-          <a:lstStyle/>
-          <a:p>
-            <a:endParaRPr lang="ru-RU"/>
-          </a:p>
-        </p:txBody>
-      </p:sp>
-      <p:sp>
-        <p:nvSpPr>
-          <p:cNvPr id="4" name="Номер слайда 3"/>
-          <p:cNvSpPr>
-            <a:spLocks noGrp="1"/>
-          </p:cNvSpPr>
-          <p:nvPr>
-            <p:ph type="sldNum" sz="quarter" idx="10"/>
-          </p:nvPr>
-        </p:nvSpPr>
-        <p:spPr/>
-        <p:txBody>
-          <a:bodyPr/>
-          <a:lstStyle/>
-          <a:p>
-            <a:fld id="{1B07A1CA-A0FF-425B-BD8F-974C0BC82A6B}" type="slidenum">
-              <a:rPr lang="ru-RU" smtClean="0"/>
-              <a:t>1</a:t>
-            </a:fld>
-            <a:endParaRPr lang="ru-RU"/>
-          </a:p>
-        </p:txBody>
-      </p:sp>
-    </p:spTree>
-    <p:extLst>
-      <p:ext uri="{BB962C8B-B14F-4D97-AF65-F5344CB8AC3E}">
-        <p14:creationId xmlns:p14="http://schemas.microsoft.com/office/powerpoint/2010/main" val="3671562837"/>
-      </p:ext>
-    </p:extLst>
-  </p:cSld>
-  <p:clrMapOvr>
-    <a:masterClrMapping/>
-  </p:clrMapOvr>
-</p:notes>
 </file>
 
 <file path=ppt/slideLayouts/slideLayout1.xml><?xml version="1.0" encoding="utf-8"?>
@@ -5063,16 +4979,21 @@
             </a:r>
             <a:r>
               <a:rPr lang="ru-RU" sz="4000" dirty="0"/>
-              <a:t>Поиск </a:t>
+              <a:t>Система поиска абитуриентов на базе технологий </a:t>
+            </a:r>
+            <a:r>
+              <a:rPr lang="en-US" sz="4000" dirty="0"/>
+              <a:t>NLP </a:t>
+            </a:r>
+            <a:r>
+              <a:rPr lang="ru-RU" sz="4000" dirty="0"/>
+              <a:t>и машинного </a:t>
             </a:r>
             <a:r>
               <a:rPr lang="ru-RU" sz="4000" dirty="0" smtClean="0"/>
-              <a:t>запрещенных аудиокомпозиций в социальной сети </a:t>
-            </a:r>
-            <a:r>
-              <a:rPr lang="ru-RU" sz="4000" dirty="0"/>
-              <a:t>ВКонтакте»</a:t>
-            </a:r>
+              <a:t>обучения»</a:t>
+            </a:r>
+            <a:endParaRPr lang="ru-RU" sz="4000" dirty="0"/>
           </a:p>
         </p:txBody>
       </p:sp>
@@ -5112,7 +5033,7 @@
     </p:spTree>
     <p:extLst>
       <p:ext uri="{BB962C8B-B14F-4D97-AF65-F5344CB8AC3E}">
-        <p14:creationId xmlns:p14="http://schemas.microsoft.com/office/powerpoint/2010/main" val="1158335711"/>
+        <p14:creationId xmlns:p14="http://schemas.microsoft.com/office/powerpoint/2010/main" val="2689084569"/>
       </p:ext>
     </p:extLst>
   </p:cSld>
@@ -5198,11 +5119,7 @@
             </a:r>
             <a:r>
               <a:rPr lang="ru-RU" sz="4000" dirty="0" smtClean="0"/>
-              <a:t>обучения</a:t>
-            </a:r>
-            <a:r>
-              <a:rPr lang="ru-RU" sz="4000" dirty="0" smtClean="0"/>
-              <a:t>»</a:t>
+              <a:t>обучения»</a:t>
             </a:r>
             <a:endParaRPr lang="ru-RU" sz="4000" dirty="0"/>
           </a:p>
@@ -5232,11 +5149,7 @@
           <a:p>
             <a:r>
               <a:rPr lang="ru-RU" dirty="0" smtClean="0"/>
-              <a:t>Захаров </a:t>
-            </a:r>
-            <a:r>
-              <a:rPr lang="ru-RU" dirty="0" smtClean="0"/>
-              <a:t>Алексей</a:t>
+              <a:t>Захаров Алексей</a:t>
             </a:r>
             <a:endParaRPr lang="ru-RU" dirty="0"/>
           </a:p>
@@ -5329,7 +5242,9 @@
         </p:nvSpPr>
         <p:spPr/>
         <p:txBody>
-          <a:bodyPr/>
+          <a:bodyPr>
+            <a:normAutofit/>
+          </a:bodyPr>
           <a:lstStyle/>
           <a:p>
             <a:pPr lvl="0"/>
@@ -5343,19 +5258,37 @@
             </a:r>
             <a:r>
               <a:rPr lang="ru-RU" dirty="0" smtClean="0"/>
-              <a:t>института»</a:t>
-            </a:r>
+              <a:t>института».</a:t>
+            </a:r>
+          </a:p>
+          <a:p>
+            <a:pPr lvl="0"/>
             <a:r>
               <a:rPr lang="ru-RU" dirty="0" smtClean="0"/>
-              <a:t>.</a:t>
-            </a:r>
-            <a:endParaRPr lang="ru-RU" dirty="0" smtClean="0"/>
+              <a:t>В начале 2000-х продолжалась демографическая яма, количество поступающих абитуриентов невелико.</a:t>
+            </a:r>
           </a:p>
           <a:p>
             <a:pPr lvl="0"/>
             <a:r>
+              <a:rPr lang="ru-RU" dirty="0" smtClean="0"/>
+              <a:t>Каждый </a:t>
+            </a:r>
+            <a:r>
               <a:rPr lang="ru-RU" dirty="0"/>
-              <a:t>Тема актуальна, так как каждый ВУЗ (государственные и коммерческие) ведет борьбу за студентов.</a:t>
+              <a:t>ВУЗ </a:t>
+            </a:r>
+            <a:r>
+              <a:rPr lang="ru-RU" dirty="0" smtClean="0"/>
+              <a:t>ведет </a:t>
+            </a:r>
+            <a:r>
+              <a:rPr lang="ru-RU" dirty="0"/>
+              <a:t>борьбу за </a:t>
+            </a:r>
+            <a:r>
+              <a:rPr lang="ru-RU" dirty="0" smtClean="0"/>
+              <a:t>студентов, так как за них выделяются государственные деньги.</a:t>
             </a:r>
             <a:endParaRPr lang="ru-RU" dirty="0"/>
           </a:p>
@@ -5469,14 +5402,26 @@
             <a:pPr lvl="0"/>
             <a:r>
               <a:rPr lang="ru-RU" dirty="0" smtClean="0"/>
-              <a:t>Разработать функционал системы.</a:t>
+              <a:t>Разработать функционал системы</a:t>
+            </a:r>
+            <a:r>
+              <a:rPr lang="ru-RU" dirty="0" smtClean="0"/>
+              <a:t>.</a:t>
             </a:r>
           </a:p>
           <a:p>
             <a:pPr lvl="0"/>
             <a:r>
               <a:rPr lang="ru-RU" dirty="0" smtClean="0"/>
-              <a:t>Собрать </a:t>
+              <a:t>Спроектировать базу данных системы</a:t>
+            </a:r>
+            <a:endParaRPr lang="ru-RU" dirty="0" smtClean="0"/>
+          </a:p>
+          <a:p>
+            <a:pPr lvl="0"/>
+            <a:r>
+              <a:rPr lang="ru-RU" dirty="0" smtClean="0"/>
+              <a:t>Подготовить </a:t>
             </a:r>
             <a:r>
               <a:rPr lang="ru-RU" dirty="0"/>
@@ -5484,11 +5429,7 @@
             </a:r>
             <a:r>
               <a:rPr lang="ru-RU" dirty="0" smtClean="0"/>
-              <a:t>аудио исполнителей </a:t>
-            </a:r>
-            <a:r>
-              <a:rPr lang="ru-RU" dirty="0" smtClean="0"/>
-              <a:t>(</a:t>
+              <a:t>аудио исполнителей (</a:t>
             </a:r>
             <a:r>
               <a:rPr lang="en-US" dirty="0"/>
@@ -5496,23 +5437,48 @@
             </a:r>
             <a:r>
               <a:rPr lang="ru-RU" dirty="0" smtClean="0"/>
-              <a:t>) – </a:t>
-            </a:r>
-            <a:r>
-              <a:rPr lang="ru-RU" dirty="0" smtClean="0"/>
-              <a:t>названия исполняющих группы</a:t>
+              <a:t>) – названия исполняющих группы</a:t>
             </a:r>
             <a:r>
               <a:rPr lang="ru-RU" dirty="0" smtClean="0"/>
               <a:t>.</a:t>
             </a:r>
+          </a:p>
+          <a:p>
+            <a:pPr lvl="0"/>
+            <a:r>
+              <a:rPr lang="ru-RU" dirty="0" smtClean="0"/>
+              <a:t>Спроектировать интерфейс системы</a:t>
+            </a:r>
             <a:endParaRPr lang="ru-RU" dirty="0"/>
           </a:p>
           <a:p>
             <a:pPr lvl="0"/>
             <a:r>
               <a:rPr lang="ru-RU" dirty="0" smtClean="0"/>
-              <a:t>Спроектировать систему</a:t>
+              <a:t>Спроектировать </a:t>
+            </a:r>
+            <a:r>
+              <a:rPr lang="ru-RU" dirty="0" smtClean="0"/>
+              <a:t>модель обучения </a:t>
+            </a:r>
+            <a:r>
+              <a:rPr lang="ru-RU" dirty="0" smtClean="0"/>
+              <a:t>системы</a:t>
+            </a:r>
+          </a:p>
+          <a:p>
+            <a:pPr lvl="0"/>
+            <a:r>
+              <a:rPr lang="ru-RU" dirty="0" smtClean="0"/>
+              <a:t>Разработать систему</a:t>
+            </a:r>
+          </a:p>
+          <a:p>
+            <a:pPr lvl="0"/>
+            <a:r>
+              <a:rPr lang="ru-RU" dirty="0" smtClean="0"/>
+              <a:t>Протестировать систему</a:t>
             </a:r>
             <a:endParaRPr lang="ru-RU" dirty="0" smtClean="0"/>
           </a:p>
@@ -5602,128 +5568,6 @@
       </p:grpSpPr>
       <p:sp>
         <p:nvSpPr>
-          <p:cNvPr id="2" name="Заголовок 1"/>
-          <p:cNvSpPr>
-            <a:spLocks noGrp="1"/>
-          </p:cNvSpPr>
-          <p:nvPr>
-            <p:ph type="title"/>
-          </p:nvPr>
-        </p:nvSpPr>
-        <p:spPr/>
-        <p:txBody>
-          <a:bodyPr/>
-          <a:lstStyle/>
-          <a:p>
-            <a:r>
-              <a:rPr lang="ru-RU" dirty="0"/>
-              <a:t>Пройденные Этапы разработки</a:t>
-            </a:r>
-          </a:p>
-        </p:txBody>
-      </p:sp>
-      <p:sp>
-        <p:nvSpPr>
-          <p:cNvPr id="3" name="Объект 2"/>
-          <p:cNvSpPr>
-            <a:spLocks noGrp="1"/>
-          </p:cNvSpPr>
-          <p:nvPr>
-            <p:ph idx="1"/>
-          </p:nvPr>
-        </p:nvSpPr>
-        <p:spPr/>
-        <p:txBody>
-          <a:bodyPr>
-            <a:normAutofit/>
-          </a:bodyPr>
-          <a:lstStyle/>
-          <a:p>
-            <a:r>
-              <a:rPr lang="ru-RU" dirty="0"/>
-              <a:t>Выбрана модель жизненного цикла ПО.</a:t>
-            </a:r>
-          </a:p>
-          <a:p>
-            <a:r>
-              <a:rPr lang="ru-RU" dirty="0" smtClean="0"/>
-              <a:t>Создана</a:t>
-            </a:r>
-            <a:r>
-              <a:rPr lang="en-US" dirty="0" smtClean="0"/>
-              <a:t> </a:t>
-            </a:r>
-            <a:r>
-              <a:rPr lang="ru-RU" dirty="0"/>
-              <a:t>и </a:t>
-            </a:r>
-            <a:r>
-              <a:rPr lang="ru-RU" dirty="0" smtClean="0"/>
-              <a:t>заполнена </a:t>
-            </a:r>
-            <a:r>
-              <a:rPr lang="ru-RU" dirty="0"/>
-              <a:t>предварительными данными БД в </a:t>
-            </a:r>
-            <a:r>
-              <a:rPr lang="en-US" dirty="0"/>
-              <a:t>PostgreSQL</a:t>
-            </a:r>
-            <a:r>
-              <a:rPr lang="ru-RU" dirty="0"/>
-              <a:t> </a:t>
-            </a:r>
-            <a:r>
-              <a:rPr lang="ru-RU" dirty="0" smtClean="0"/>
-              <a:t>музыкальными исполнителями и пользователями</a:t>
-            </a:r>
-            <a:r>
-              <a:rPr lang="ru-RU" dirty="0" smtClean="0"/>
-              <a:t> </a:t>
-            </a:r>
-            <a:r>
-              <a:rPr lang="ru-RU" dirty="0" smtClean="0"/>
-              <a:t>(Объем </a:t>
-            </a:r>
-            <a:r>
-              <a:rPr lang="ru-RU" dirty="0" smtClean="0"/>
-              <a:t>4278 пользователя/190468 очищенных аудио исполнителей). </a:t>
-            </a:r>
-          </a:p>
-          <a:p>
-            <a:r>
-              <a:rPr lang="ru-RU" dirty="0" smtClean="0"/>
-              <a:t>Спроектированы алгоритмы работы программы.</a:t>
-            </a:r>
-          </a:p>
-          <a:p>
-            <a:r>
-              <a:rPr lang="ru-RU" dirty="0" smtClean="0"/>
-              <a:t>Разработан интерфейс программы.</a:t>
-            </a:r>
-          </a:p>
-          <a:p>
-            <a:r>
-              <a:rPr lang="ru-RU" dirty="0" smtClean="0"/>
-              <a:t>Проведено тестирование интерфейса. </a:t>
-            </a:r>
-          </a:p>
-          <a:p>
-            <a:endParaRPr lang="ru-RU" dirty="0" smtClean="0"/>
-          </a:p>
-          <a:p>
-            <a:endParaRPr lang="ru-RU" dirty="0" smtClean="0"/>
-          </a:p>
-          <a:p>
-            <a:endParaRPr lang="ru-RU" dirty="0"/>
-          </a:p>
-          <a:p>
-            <a:endParaRPr lang="ru-RU" dirty="0"/>
-          </a:p>
-        </p:txBody>
-      </p:sp>
-      <p:sp>
-        <p:nvSpPr>
           <p:cNvPr id="4" name="Номер слайда 3"/>
           <p:cNvSpPr>
             <a:spLocks noGrp="1"/>
@@ -5740,71 +5584,6 @@
             <a:fld id="{E31375A4-56A4-47D6-9801-1991572033F7}" type="slidenum">
               <a:rPr lang="ru-RU" sz="2000" smtClean="0"/>
               <a:t>4</a:t>
-            </a:fld>
-            <a:endParaRPr lang="ru-RU" sz="2000" dirty="0"/>
-          </a:p>
-        </p:txBody>
-      </p:sp>
-    </p:spTree>
-    <p:extLst>
-      <p:ext uri="{BB962C8B-B14F-4D97-AF65-F5344CB8AC3E}">
-        <p14:creationId xmlns:p14="http://schemas.microsoft.com/office/powerpoint/2010/main" val="1193571193"/>
-      </p:ext>
-    </p:extLst>
-  </p:cSld>
-  <p:clrMapOvr>
-    <a:masterClrMapping/>
-  </p:clrMapOvr>
-  <mc:AlternateContent xmlns:mc="http://schemas.openxmlformats.org/markup-compatibility/2006" xmlns:p14="http://schemas.microsoft.com/office/powerpoint/2010/main">
-    <mc:Choice Requires="p14">
-      <p:transition spd="med" p14:dur="700">
-        <p:fade/>
-      </p:transition>
-    </mc:Choice>
-    <mc:Fallback xmlns="">
-      <p:transition spd="med">
-        <p:fade/>
-      </p:transition>
-    </mc:Fallback>
-  </mc:AlternateContent>
-</p:sld>
-</file>
-
-<file path=ppt/slides/slide5.xml><?xml version="1.0" encoding="utf-8"?>
-<p:sld xmlns:a="http://schemas.openxmlformats.org/drawingml/2006/main" xmlns:r="http://schemas.openxmlformats.org/officeDocument/2006/relationships" xmlns:p="http://schemas.openxmlformats.org/presentationml/2006/main">
-  <p:cSld>
-    <p:spTree>
-      <p:nvGrpSpPr>
-        <p:cNvPr id="1" name=""/>
-        <p:cNvGrpSpPr/>
-        <p:nvPr/>
-      </p:nvGrpSpPr>
-      <p:grpSpPr>
-        <a:xfrm>
-          <a:off x="0" y="0"/>
-          <a:ext cx="0" cy="0"/>
-          <a:chOff x="0" y="0"/>
-          <a:chExt cx="0" cy="0"/>
-        </a:xfrm>
-      </p:grpSpPr>
-      <p:sp>
-        <p:nvSpPr>
-          <p:cNvPr id="4" name="Номер слайда 3"/>
-          <p:cNvSpPr>
-            <a:spLocks noGrp="1"/>
-          </p:cNvSpPr>
-          <p:nvPr>
-            <p:ph type="sldNum" sz="quarter" idx="12"/>
-          </p:nvPr>
-        </p:nvSpPr>
-        <p:spPr/>
-        <p:txBody>
-          <a:bodyPr/>
-          <a:lstStyle/>
-          <a:p>
-            <a:fld id="{E31375A4-56A4-47D6-9801-1991572033F7}" type="slidenum">
-              <a:rPr lang="ru-RU" sz="2000" smtClean="0"/>
-              <a:t>5</a:t>
             </a:fld>
             <a:endParaRPr lang="ru-RU" sz="2000" dirty="0"/>
           </a:p>
@@ -5859,7 +5638,7 @@
 </p:sld>
 </file>
 
-<file path=ppt/slides/slide6.xml><?xml version="1.0" encoding="utf-8"?>
+<file path=ppt/slides/slide5.xml><?xml version="1.0" encoding="utf-8"?>
 <p:sld xmlns:a="http://schemas.openxmlformats.org/drawingml/2006/main" xmlns:r="http://schemas.openxmlformats.org/officeDocument/2006/relationships" xmlns:p="http://schemas.openxmlformats.org/presentationml/2006/main">
   <p:cSld>
     <p:spTree>
@@ -5893,7 +5672,7 @@
           <a:p>
             <a:fld id="{E31375A4-56A4-47D6-9801-1991572033F7}" type="slidenum">
               <a:rPr lang="ru-RU" sz="2000" smtClean="0"/>
-              <a:t>6</a:t>
+              <a:t>5</a:t>
             </a:fld>
             <a:endParaRPr lang="ru-RU" sz="2000" dirty="0"/>
           </a:p>
@@ -5901,22 +5680,27 @@
       </p:sp>
       <p:pic>
         <p:nvPicPr>
-          <p:cNvPr id="2" name="Рисунок 1"/>
+          <p:cNvPr id="3" name="Рисунок 2"/>
           <p:cNvPicPr>
             <a:picLocks noChangeAspect="1"/>
           </p:cNvPicPr>
           <p:nvPr/>
         </p:nvPicPr>
-        <p:blipFill>
-          <a:blip r:embed="rId2"/>
-          <a:stretch>
-            <a:fillRect/>
-          </a:stretch>
+        <p:blipFill rotWithShape="1">
+          <a:blip r:embed="rId2">
+            <a:extLst>
+              <a:ext uri="{28A0092B-C50C-407E-A947-70E740481C1C}">
+                <a14:useLocalDpi xmlns:a14="http://schemas.microsoft.com/office/drawing/2010/main" val="0"/>
+              </a:ext>
+            </a:extLst>
+          </a:blip>
+          <a:srcRect b="40952"/>
+          <a:stretch/>
         </p:blipFill>
         <p:spPr>
           <a:xfrm>
-            <a:off x="1990725" y="481012"/>
-            <a:ext cx="8210550" cy="5895975"/>
+            <a:off x="908622" y="-1"/>
+            <a:ext cx="9186400" cy="6721479"/>
           </a:xfrm>
           <a:prstGeom prst="rect">
             <a:avLst/>
@@ -5948,7 +5732,7 @@
 </p:sld>
 </file>
 
-<file path=ppt/slides/slide7.xml><?xml version="1.0" encoding="utf-8"?>
+<file path=ppt/slides/slide6.xml><?xml version="1.0" encoding="utf-8"?>
 <p:sld xmlns:a="http://schemas.openxmlformats.org/drawingml/2006/main" xmlns:r="http://schemas.openxmlformats.org/officeDocument/2006/relationships" xmlns:p="http://schemas.openxmlformats.org/presentationml/2006/main">
   <p:cSld>
     <p:spTree>
@@ -6001,7 +5785,7 @@
           <a:p>
             <a:fld id="{E31375A4-56A4-47D6-9801-1991572033F7}" type="slidenum">
               <a:rPr lang="ru-RU" sz="2000" smtClean="0"/>
-              <a:t>7</a:t>
+              <a:t>6</a:t>
             </a:fld>
             <a:endParaRPr lang="ru-RU" sz="2000" dirty="0"/>
           </a:p>
@@ -6030,8 +5814,8 @@
         </p:blipFill>
         <p:spPr bwMode="auto">
           <a:xfrm>
-            <a:off x="972458" y="0"/>
-            <a:ext cx="4499428" cy="6406136"/>
+            <a:off x="437376" y="0"/>
+            <a:ext cx="4816800" cy="6858000"/>
           </a:xfrm>
           <a:prstGeom prst="rect">
             <a:avLst/>
@@ -6084,8 +5868,8 @@
         </p:blipFill>
         <p:spPr bwMode="auto">
           <a:xfrm>
-            <a:off x="7315200" y="0"/>
-            <a:ext cx="4876800" cy="6414712"/>
+            <a:off x="5471886" y="0"/>
+            <a:ext cx="5213811" cy="6858000"/>
           </a:xfrm>
           <a:prstGeom prst="rect">
             <a:avLst/>
@@ -6140,7 +5924,7 @@
 </p:sld>
 </file>
 
-<file path=ppt/slides/slide8.xml><?xml version="1.0" encoding="utf-8"?>
+<file path=ppt/slides/slide7.xml><?xml version="1.0" encoding="utf-8"?>
 <p:sld xmlns:a="http://schemas.openxmlformats.org/drawingml/2006/main" xmlns:r="http://schemas.openxmlformats.org/officeDocument/2006/relationships" xmlns:p="http://schemas.openxmlformats.org/presentationml/2006/main">
   <p:cSld>
     <p:spTree>
@@ -6172,7 +5956,7 @@
           <a:bodyPr/>
           <a:lstStyle/>
           <a:p>
-            <a:endParaRPr lang="ru-RU"/>
+            <a:endParaRPr lang="ru-RU" dirty="0"/>
           </a:p>
         </p:txBody>
       </p:sp>
@@ -6212,7 +5996,7 @@
           <a:p>
             <a:fld id="{E31375A4-56A4-47D6-9801-1991572033F7}" type="slidenum">
               <a:rPr lang="ru-RU" sz="2000" smtClean="0"/>
-              <a:t>8</a:t>
+              <a:t>7</a:t>
             </a:fld>
             <a:endParaRPr lang="ru-RU" sz="2000" dirty="0"/>
           </a:p>
@@ -6220,7 +6004,7 @@
       </p:sp>
       <p:pic>
         <p:nvPicPr>
-          <p:cNvPr id="2050" name="Рисунок 3" descr="https://pp.userapi.com/c847123/v847123186/70db8/k0cmbCxcI-w.jpg"/>
+          <p:cNvPr id="1026" name="Рисунок 1"/>
           <p:cNvPicPr>
             <a:picLocks noChangeAspect="1" noChangeArrowheads="1"/>
           </p:cNvPicPr>
@@ -6241,8 +6025,8 @@
         </p:blipFill>
         <p:spPr bwMode="auto">
           <a:xfrm>
-            <a:off x="1141753" y="274637"/>
-            <a:ext cx="10518095" cy="5966996"/>
+            <a:off x="189829" y="886618"/>
+            <a:ext cx="11842627" cy="5046469"/>
           </a:xfrm>
           <a:prstGeom prst="rect">
             <a:avLst/>
@@ -6297,7 +6081,7 @@
 </p:sld>
 </file>
 
-<file path=ppt/slides/slide9.xml><?xml version="1.0" encoding="utf-8"?>
+<file path=ppt/slides/slide8.xml><?xml version="1.0" encoding="utf-8"?>
 <p:sld xmlns:a="http://schemas.openxmlformats.org/drawingml/2006/main" xmlns:r="http://schemas.openxmlformats.org/officeDocument/2006/relationships" xmlns:p="http://schemas.openxmlformats.org/presentationml/2006/main">
   <p:cSld>
     <p:spTree>
@@ -6331,7 +6115,11 @@
           <a:p>
             <a:r>
               <a:rPr lang="ru-RU" dirty="0" smtClean="0"/>
-              <a:t>Пути развития</a:t>
+              <a:t>Дальнейшие п</a:t>
+            </a:r>
+            <a:r>
+              <a:rPr lang="ru-RU" dirty="0" smtClean="0"/>
+              <a:t>ути развития системы</a:t>
             </a:r>
             <a:endParaRPr lang="ru-RU" dirty="0"/>
           </a:p>
@@ -6356,8 +6144,13 @@
           <a:p>
             <a:r>
               <a:rPr lang="ru-RU" sz="3200" dirty="0" smtClean="0"/>
-              <a:t>Расширить поиск программы по музыкальным композициям</a:t>
-            </a:r>
+              <a:t>Расширить поиск программы по </a:t>
+            </a:r>
+            <a:r>
+              <a:rPr lang="ru-RU" sz="3200" dirty="0" smtClean="0"/>
+              <a:t>названиям музыкальных композиций</a:t>
+            </a:r>
+            <a:endParaRPr lang="ru-RU" sz="3200" dirty="0" smtClean="0"/>
           </a:p>
           <a:p>
             <a:r>
@@ -6427,7 +6220,7 @@
           <a:p>
             <a:fld id="{E31375A4-56A4-47D6-9801-1991572033F7}" type="slidenum">
               <a:rPr lang="ru-RU" sz="2000" smtClean="0"/>
-              <a:t>9</a:t>
+              <a:t>8</a:t>
             </a:fld>
             <a:endParaRPr lang="ru-RU" sz="2000" dirty="0"/>
           </a:p>
@@ -6462,6 +6255,245 @@
       </p:par>
     </p:tnLst>
   </p:timing>
+</p:sld>
+</file>
+
+<file path=ppt/slides/slide9.xml><?xml version="1.0" encoding="utf-8"?>
+<p:sld xmlns:a="http://schemas.openxmlformats.org/drawingml/2006/main" xmlns:r="http://schemas.openxmlformats.org/officeDocument/2006/relationships" xmlns:p="http://schemas.openxmlformats.org/presentationml/2006/main">
+  <p:cSld>
+    <p:spTree>
+      <p:nvGrpSpPr>
+        <p:cNvPr id="1" name=""/>
+        <p:cNvGrpSpPr/>
+        <p:nvPr/>
+      </p:nvGrpSpPr>
+      <p:grpSpPr>
+        <a:xfrm>
+          <a:off x="0" y="0"/>
+          <a:ext cx="0" cy="0"/>
+          <a:chOff x="0" y="0"/>
+          <a:chExt cx="0" cy="0"/>
+        </a:xfrm>
+      </p:grpSpPr>
+      <p:sp>
+        <p:nvSpPr>
+          <p:cNvPr id="2" name="Заголовок 1"/>
+          <p:cNvSpPr>
+            <a:spLocks noGrp="1"/>
+          </p:cNvSpPr>
+          <p:nvPr>
+            <p:ph type="title"/>
+          </p:nvPr>
+        </p:nvSpPr>
+        <p:spPr/>
+        <p:txBody>
+          <a:bodyPr/>
+          <a:lstStyle/>
+          <a:p>
+            <a:r>
+              <a:rPr lang="ru-RU" dirty="0" smtClean="0"/>
+              <a:t>Заключение</a:t>
+            </a:r>
+            <a:endParaRPr lang="ru-RU" dirty="0"/>
+          </a:p>
+        </p:txBody>
+      </p:sp>
+      <p:sp>
+        <p:nvSpPr>
+          <p:cNvPr id="3" name="Объект 2"/>
+          <p:cNvSpPr>
+            <a:spLocks noGrp="1"/>
+          </p:cNvSpPr>
+          <p:nvPr>
+            <p:ph idx="1"/>
+          </p:nvPr>
+        </p:nvSpPr>
+        <p:spPr/>
+        <p:txBody>
+          <a:bodyPr>
+            <a:normAutofit fontScale="92500" lnSpcReduction="20000"/>
+          </a:bodyPr>
+          <a:lstStyle/>
+          <a:p>
+            <a:r>
+              <a:rPr lang="ru-RU" dirty="0"/>
+              <a:t>Выбрана модель жизненного цикла ПО</a:t>
+            </a:r>
+            <a:r>
+              <a:rPr lang="ru-RU" dirty="0" smtClean="0"/>
+              <a:t>. - Инкрементная</a:t>
+            </a:r>
+            <a:endParaRPr lang="ru-RU" dirty="0"/>
+          </a:p>
+          <a:p>
+            <a:r>
+              <a:rPr lang="ru-RU" dirty="0" smtClean="0"/>
+              <a:t>Создана</a:t>
+            </a:r>
+            <a:r>
+              <a:rPr lang="en-US" dirty="0" smtClean="0"/>
+              <a:t> </a:t>
+            </a:r>
+            <a:r>
+              <a:rPr lang="ru-RU" dirty="0"/>
+              <a:t>и </a:t>
+            </a:r>
+            <a:r>
+              <a:rPr lang="ru-RU" dirty="0" smtClean="0"/>
+              <a:t>заполнена </a:t>
+            </a:r>
+            <a:r>
+              <a:rPr lang="ru-RU" dirty="0"/>
+              <a:t>предварительными данными </a:t>
+            </a:r>
+            <a:r>
+              <a:rPr lang="ru-RU" dirty="0" smtClean="0"/>
+              <a:t>БД</a:t>
+            </a:r>
+          </a:p>
+          <a:p>
+            <a:r>
+              <a:rPr lang="ru-RU" dirty="0" smtClean="0"/>
+              <a:t>Объем собранного </a:t>
+            </a:r>
+            <a:r>
+              <a:rPr lang="ru-RU" dirty="0" err="1" smtClean="0"/>
+              <a:t>датасета</a:t>
+            </a:r>
+            <a:r>
+              <a:rPr lang="ru-RU" dirty="0" smtClean="0"/>
+              <a:t> - </a:t>
+            </a:r>
+            <a:r>
+              <a:rPr lang="ru-RU" dirty="0" smtClean="0"/>
+              <a:t>4278 пользователя,190468 </a:t>
+            </a:r>
+            <a:r>
+              <a:rPr lang="ru-RU" dirty="0" smtClean="0"/>
+              <a:t>очищенных аудио </a:t>
+            </a:r>
+            <a:r>
+              <a:rPr lang="ru-RU" dirty="0" smtClean="0"/>
+              <a:t>исполнителей</a:t>
+            </a:r>
+            <a:endParaRPr lang="ru-RU" dirty="0" smtClean="0"/>
+          </a:p>
+          <a:p>
+            <a:r>
+              <a:rPr lang="ru-RU" dirty="0" smtClean="0"/>
+              <a:t>Спроектированы алгоритмы работы </a:t>
+            </a:r>
+            <a:r>
+              <a:rPr lang="ru-RU" dirty="0" smtClean="0"/>
+              <a:t>системы</a:t>
+            </a:r>
+            <a:endParaRPr lang="ru-RU" dirty="0" smtClean="0"/>
+          </a:p>
+          <a:p>
+            <a:r>
+              <a:rPr lang="ru-RU" dirty="0" smtClean="0"/>
+              <a:t>Разработан интерфейс </a:t>
+            </a:r>
+            <a:r>
+              <a:rPr lang="ru-RU" dirty="0" smtClean="0"/>
+              <a:t>системы</a:t>
+            </a:r>
+            <a:endParaRPr lang="ru-RU" dirty="0" smtClean="0"/>
+          </a:p>
+          <a:p>
+            <a:r>
+              <a:rPr lang="ru-RU" dirty="0" smtClean="0"/>
+              <a:t>Проведено тестирование </a:t>
+            </a:r>
+            <a:r>
+              <a:rPr lang="ru-RU" dirty="0" smtClean="0"/>
+              <a:t>интерфейса</a:t>
+            </a:r>
+          </a:p>
+          <a:p>
+            <a:r>
+              <a:rPr lang="ru-RU" dirty="0" smtClean="0"/>
+              <a:t>Спроектировано обучающее дерево решений</a:t>
+            </a:r>
+          </a:p>
+          <a:p>
+            <a:r>
+              <a:rPr lang="ru-RU" dirty="0" smtClean="0"/>
+              <a:t>Обучающая модель п</a:t>
+            </a:r>
+            <a:r>
+              <a:rPr lang="ru-RU" dirty="0" smtClean="0"/>
+              <a:t>ротестировано на свободно распространяющихся </a:t>
+            </a:r>
+            <a:r>
+              <a:rPr lang="ru-RU" dirty="0" err="1" smtClean="0"/>
+              <a:t>датасетах</a:t>
+            </a:r>
+            <a:r>
+              <a:rPr lang="ru-RU" dirty="0" smtClean="0"/>
+              <a:t>  </a:t>
+            </a:r>
+            <a:endParaRPr lang="ru-RU" dirty="0" smtClean="0"/>
+          </a:p>
+          <a:p>
+            <a:endParaRPr lang="ru-RU" dirty="0" smtClean="0"/>
+          </a:p>
+          <a:p>
+            <a:endParaRPr lang="ru-RU" dirty="0" smtClean="0"/>
+          </a:p>
+          <a:p>
+            <a:endParaRPr lang="ru-RU" dirty="0"/>
+          </a:p>
+          <a:p>
+            <a:endParaRPr lang="ru-RU" dirty="0"/>
+          </a:p>
+        </p:txBody>
+      </p:sp>
+      <p:sp>
+        <p:nvSpPr>
+          <p:cNvPr id="4" name="Номер слайда 3"/>
+          <p:cNvSpPr>
+            <a:spLocks noGrp="1"/>
+          </p:cNvSpPr>
+          <p:nvPr>
+            <p:ph type="sldNum" sz="quarter" idx="12"/>
+          </p:nvPr>
+        </p:nvSpPr>
+        <p:spPr/>
+        <p:txBody>
+          <a:bodyPr/>
+          <a:lstStyle/>
+          <a:p>
+            <a:fld id="{E31375A4-56A4-47D6-9801-1991572033F7}" type="slidenum">
+              <a:rPr lang="ru-RU" sz="2000" smtClean="0"/>
+              <a:t>9</a:t>
+            </a:fld>
+            <a:endParaRPr lang="ru-RU" sz="2000" dirty="0"/>
+          </a:p>
+        </p:txBody>
+      </p:sp>
+    </p:spTree>
+    <p:extLst>
+      <p:ext uri="{BB962C8B-B14F-4D97-AF65-F5344CB8AC3E}">
+        <p14:creationId xmlns:p14="http://schemas.microsoft.com/office/powerpoint/2010/main" val="1193571193"/>
+      </p:ext>
+    </p:extLst>
+  </p:cSld>
+  <p:clrMapOvr>
+    <a:masterClrMapping/>
+  </p:clrMapOvr>
+  <mc:AlternateContent xmlns:mc="http://schemas.openxmlformats.org/markup-compatibility/2006" xmlns:p14="http://schemas.microsoft.com/office/powerpoint/2010/main">
+    <mc:Choice Requires="p14">
+      <p:transition spd="med" p14:dur="700">
+        <p:fade/>
+      </p:transition>
+    </mc:Choice>
+    <mc:Fallback xmlns="">
+      <p:transition spd="med">
+        <p:fade/>
+      </p:transition>
+    </mc:Fallback>
+  </mc:AlternateContent>
 </p:sld>
 </file>
 
